--- a/PracticeTasks/Module2/Hackathon/LLMMS_Final.pptx
+++ b/PracticeTasks/Module2/Hackathon/LLMMS_Final.pptx
@@ -205,7 +205,7 @@
           <a:p>
             <a:fld id="{34EB40D0-D9C6-4D32-A3A4-1C2B85670D17}" type="datetimeFigureOut">
               <a:rPr lang="ru-RU" smtClean="0"/>
-              <a:t>27.11.2024</a:t>
+              <a:t>30.11.2024</a:t>
             </a:fld>
             <a:endParaRPr lang="ru-RU"/>
           </a:p>
@@ -731,7 +731,7 @@
           <a:p>
             <a:fld id="{8399A97A-6FC0-4574-9126-8EF03F121AB3}" type="datetime1">
               <a:rPr lang="ru-RU" smtClean="0"/>
-              <a:t>27.11.2024</a:t>
+              <a:t>30.11.2024</a:t>
             </a:fld>
             <a:endParaRPr lang="ru-RU"/>
           </a:p>
@@ -931,7 +931,7 @@
           <a:p>
             <a:fld id="{7D5AA5FF-5D69-45D7-B621-9F43210FE6F3}" type="datetime1">
               <a:rPr lang="ru-RU" smtClean="0"/>
-              <a:t>27.11.2024</a:t>
+              <a:t>30.11.2024</a:t>
             </a:fld>
             <a:endParaRPr lang="ru-RU"/>
           </a:p>
@@ -1141,7 +1141,7 @@
           <a:p>
             <a:fld id="{B30DF531-F57F-45E7-AD0F-ABD70BDA49BE}" type="datetime1">
               <a:rPr lang="ru-RU" smtClean="0"/>
-              <a:t>27.11.2024</a:t>
+              <a:t>30.11.2024</a:t>
             </a:fld>
             <a:endParaRPr lang="ru-RU"/>
           </a:p>
@@ -1700,7 +1700,7 @@
           <a:p>
             <a:fld id="{6563F6B7-2ED0-4917-AEF1-C35758BC8E2A}" type="datetime1">
               <a:rPr lang="ru-RU" smtClean="0"/>
-              <a:t>27.11.2024</a:t>
+              <a:t>30.11.2024</a:t>
             </a:fld>
             <a:endParaRPr lang="ru-RU"/>
           </a:p>
@@ -1976,7 +1976,7 @@
           <a:p>
             <a:fld id="{64D83D85-78A9-473E-8F15-69027E1A1755}" type="datetime1">
               <a:rPr lang="ru-RU" smtClean="0"/>
-              <a:t>27.11.2024</a:t>
+              <a:t>30.11.2024</a:t>
             </a:fld>
             <a:endParaRPr lang="ru-RU"/>
           </a:p>
@@ -2244,7 +2244,7 @@
           <a:p>
             <a:fld id="{07F15A0D-1352-4238-85E2-9B96AC2DAF23}" type="datetime1">
               <a:rPr lang="ru-RU" smtClean="0"/>
-              <a:t>27.11.2024</a:t>
+              <a:t>30.11.2024</a:t>
             </a:fld>
             <a:endParaRPr lang="ru-RU"/>
           </a:p>
@@ -2659,7 +2659,7 @@
           <a:p>
             <a:fld id="{9FAD71FE-CCD6-4581-B001-F2C363B8E678}" type="datetime1">
               <a:rPr lang="ru-RU" smtClean="0"/>
-              <a:t>27.11.2024</a:t>
+              <a:t>30.11.2024</a:t>
             </a:fld>
             <a:endParaRPr lang="ru-RU"/>
           </a:p>
@@ -2801,7 +2801,7 @@
           <a:p>
             <a:fld id="{994D8537-A877-4D8C-B7BC-2ED08B11B100}" type="datetime1">
               <a:rPr lang="ru-RU" smtClean="0"/>
-              <a:t>27.11.2024</a:t>
+              <a:t>30.11.2024</a:t>
             </a:fld>
             <a:endParaRPr lang="ru-RU"/>
           </a:p>
@@ -2914,7 +2914,7 @@
           <a:p>
             <a:fld id="{06708783-4FBF-4EA1-AF39-CC48114FFDFF}" type="datetime1">
               <a:rPr lang="ru-RU" smtClean="0"/>
-              <a:t>27.11.2024</a:t>
+              <a:t>30.11.2024</a:t>
             </a:fld>
             <a:endParaRPr lang="ru-RU"/>
           </a:p>
@@ -3227,7 +3227,7 @@
           <a:p>
             <a:fld id="{024D95AA-8E78-453F-9558-96D09EC72833}" type="datetime1">
               <a:rPr lang="ru-RU" smtClean="0"/>
-              <a:t>27.11.2024</a:t>
+              <a:t>30.11.2024</a:t>
             </a:fld>
             <a:endParaRPr lang="ru-RU"/>
           </a:p>
@@ -3516,7 +3516,7 @@
           <a:p>
             <a:fld id="{9A688F33-E4D4-4787-8B7D-75030E8D32B4}" type="datetime1">
               <a:rPr lang="ru-RU" smtClean="0"/>
-              <a:t>27.11.2024</a:t>
+              <a:t>30.11.2024</a:t>
             </a:fld>
             <a:endParaRPr lang="ru-RU"/>
           </a:p>
@@ -3759,7 +3759,7 @@
           <a:p>
             <a:fld id="{935E56F2-45F9-482C-B684-96CAA55771FA}" type="datetime1">
               <a:rPr lang="ru-RU" smtClean="0"/>
-              <a:t>27.11.2024</a:t>
+              <a:t>30.11.2024</a:t>
             </a:fld>
             <a:endParaRPr lang="ru-RU"/>
           </a:p>
@@ -5944,14 +5944,14 @@
           <p:nvPr>
             <p:extLst>
               <p:ext uri="{D42A27DB-BD31-4B8C-83A1-F6EECF244321}">
-                <p14:modId xmlns:p14="http://schemas.microsoft.com/office/powerpoint/2010/main" val="2087837169"/>
+                <p14:modId xmlns:p14="http://schemas.microsoft.com/office/powerpoint/2010/main" val="3797855077"/>
               </p:ext>
             </p:extLst>
           </p:nvPr>
         </p:nvGraphicFramePr>
         <p:xfrm>
           <a:off x="488887" y="1630097"/>
-          <a:ext cx="11343992" cy="4351337"/>
+          <a:ext cx="11343992" cy="4556283"/>
         </p:xfrm>
         <a:graphic>
           <a:graphicData uri="http://schemas.openxmlformats.org/drawingml/2006/table">
@@ -6109,10 +6109,10 @@
                     <a:lstStyle/>
                     <a:p>
                       <a:r>
-                        <a:rPr lang="en-US" sz="1400" b="1"/>
+                        <a:rPr lang="en-US" sz="1400" b="1" dirty="0"/>
                         <a:t>Ease of Setup</a:t>
                       </a:r>
-                      <a:endParaRPr lang="en-US" sz="1400"/>
+                      <a:endParaRPr lang="en-US" sz="1400" dirty="0"/>
                     </a:p>
                   </a:txBody>
                   <a:tcPr marL="72522" marR="72522" marT="36261" marB="36261" anchor="ctr">
@@ -6187,7 +6187,10 @@
                     <a:bodyPr/>
                     <a:lstStyle/>
                     <a:p>
-                      <a:endParaRPr lang="en-US" sz="1400"/>
+                      <a:r>
+                        <a:rPr lang="en-US" sz="1400" dirty="0"/>
+                        <a:t>Moderate: Requires Go setup and dependency management with go mod</a:t>
+                      </a:r>
                     </a:p>
                   </a:txBody>
                   <a:tcPr marL="72522" marR="72522" marT="36261" marB="36261" anchor="ctr">
@@ -6218,10 +6221,10 @@
                     <a:lstStyle/>
                     <a:p>
                       <a:r>
-                        <a:rPr lang="en-US" sz="1400" b="1"/>
+                        <a:rPr lang="en-US" sz="1400" b="1" dirty="0"/>
                         <a:t>Development Speed</a:t>
                       </a:r>
-                      <a:endParaRPr lang="en-US" sz="1400"/>
+                      <a:endParaRPr lang="en-US" sz="1400" dirty="0"/>
                     </a:p>
                   </a:txBody>
                   <a:tcPr marL="72522" marR="72522" marT="36261" marB="36261" anchor="ctr">
@@ -6296,7 +6299,10 @@
                     <a:bodyPr/>
                     <a:lstStyle/>
                     <a:p>
-                      <a:endParaRPr lang="en-US" sz="1400" dirty="0"/>
+                      <a:r>
+                        <a:rPr lang="en-US" sz="1400" dirty="0"/>
+                        <a:t>Moderate: Slower due to boilerplate and strict typing. </a:t>
+                      </a:r>
                     </a:p>
                   </a:txBody>
                   <a:tcPr marL="72522" marR="72522" marT="36261" marB="36261" anchor="ctr">
@@ -6327,10 +6333,10 @@
                     <a:lstStyle/>
                     <a:p>
                       <a:r>
-                        <a:rPr lang="en-US" sz="1400" b="1"/>
+                        <a:rPr lang="en-US" sz="1400" b="1" dirty="0"/>
                         <a:t>Flexibility</a:t>
                       </a:r>
-                      <a:endParaRPr lang="en-US" sz="1400"/>
+                      <a:endParaRPr lang="en-US" sz="1400" dirty="0"/>
                     </a:p>
                   </a:txBody>
                   <a:tcPr marL="72522" marR="72522" marT="36261" marB="36261" anchor="ctr">
@@ -6380,7 +6386,7 @@
                     <a:lstStyle/>
                     <a:p>
                       <a:r>
-                        <a:rPr lang="en-US" sz="1400"/>
+                        <a:rPr lang="en-US" sz="1400" dirty="0"/>
                         <a:t>Limited to what the configuration and plugins allow.</a:t>
                       </a:r>
                     </a:p>
@@ -6405,7 +6411,10 @@
                     <a:bodyPr/>
                     <a:lstStyle/>
                     <a:p>
-                      <a:endParaRPr lang="en-US" sz="1400"/>
+                      <a:r>
+                        <a:rPr lang="en-US" sz="1400" dirty="0"/>
+                        <a:t>Moderate: Limited by Go’s strict typing, but Echo simplifies API creation.</a:t>
+                      </a:r>
                     </a:p>
                   </a:txBody>
                   <a:tcPr marL="72522" marR="72522" marT="36261" marB="36261" anchor="ctr">
@@ -6436,10 +6445,10 @@
                     <a:lstStyle/>
                     <a:p>
                       <a:r>
-                        <a:rPr lang="en-US" sz="1400" b="1"/>
+                        <a:rPr lang="en-US" sz="1400" b="1" dirty="0"/>
                         <a:t>Kubernetes Integration</a:t>
                       </a:r>
-                      <a:endParaRPr lang="en-US" sz="1400"/>
+                      <a:endParaRPr lang="en-US" sz="1400" dirty="0"/>
                     </a:p>
                   </a:txBody>
                   <a:tcPr marL="72522" marR="72522" marT="36261" marB="36261" anchor="ctr">
@@ -6489,7 +6498,7 @@
                     <a:lstStyle/>
                     <a:p>
                       <a:r>
-                        <a:rPr lang="en-US" sz="1400"/>
+                        <a:rPr lang="en-US" sz="1400" dirty="0"/>
                         <a:t>Strong with existing ingress and routing capabilities.</a:t>
                       </a:r>
                     </a:p>
@@ -6514,7 +6523,10 @@
                     <a:bodyPr/>
                     <a:lstStyle/>
                     <a:p>
-                      <a:endParaRPr lang="en-US" sz="1400"/>
+                      <a:r>
+                        <a:rPr lang="en-US" sz="1400" dirty="0"/>
+                        <a:t>High: Native Go Kubernetes client offers seamless integration.</a:t>
+                      </a:r>
                     </a:p>
                   </a:txBody>
                   <a:tcPr marL="72522" marR="72522" marT="36261" marB="36261" anchor="ctr">
@@ -6545,10 +6557,10 @@
                     <a:lstStyle/>
                     <a:p>
                       <a:r>
-                        <a:rPr lang="en-US" sz="1400" b="1"/>
+                        <a:rPr lang="en-US" sz="1400" b="1" dirty="0"/>
                         <a:t>Performance</a:t>
                       </a:r>
-                      <a:endParaRPr lang="en-US" sz="1400"/>
+                      <a:endParaRPr lang="en-US" sz="1400" dirty="0"/>
                     </a:p>
                   </a:txBody>
                   <a:tcPr marL="72522" marR="72522" marT="36261" marB="36261" anchor="ctr">
@@ -6623,7 +6635,10 @@
                     <a:bodyPr/>
                     <a:lstStyle/>
                     <a:p>
-                      <a:endParaRPr lang="en-US" sz="1400" dirty="0"/>
+                      <a:r>
+                        <a:rPr lang="en-US" sz="1400" dirty="0"/>
+                        <a:t>High: Compiled language with efficient concurrency</a:t>
+                      </a:r>
                     </a:p>
                   </a:txBody>
                   <a:tcPr marL="72522" marR="72522" marT="36261" marB="36261" anchor="ctr">
@@ -6654,10 +6669,10 @@
                     <a:lstStyle/>
                     <a:p>
                       <a:r>
-                        <a:rPr lang="en-US" sz="1400" b="1"/>
+                        <a:rPr lang="en-US" sz="1400" b="1" dirty="0"/>
                         <a:t>Team Skills</a:t>
                       </a:r>
-                      <a:endParaRPr lang="en-US" sz="1400"/>
+                      <a:endParaRPr lang="en-US" sz="1400" dirty="0"/>
                     </a:p>
                   </a:txBody>
                   <a:tcPr marL="72522" marR="72522" marT="36261" marB="36261" anchor="ctr">
@@ -6707,7 +6722,7 @@
                     <a:lstStyle/>
                     <a:p>
                       <a:r>
-                        <a:rPr lang="en-US" sz="1400"/>
+                        <a:rPr lang="en-US" sz="1400" dirty="0"/>
                         <a:t>Better if Golang familiarity exists but not critical.</a:t>
                       </a:r>
                     </a:p>
@@ -6732,7 +6747,10 @@
                     <a:bodyPr/>
                     <a:lstStyle/>
                     <a:p>
-                      <a:endParaRPr lang="en-US" sz="1400"/>
+                      <a:r>
+                        <a:rPr lang="en-US" sz="1400" dirty="0"/>
+                        <a:t>Moderate: Requires Go expertise, which may not be familiar to all</a:t>
+                      </a:r>
                     </a:p>
                   </a:txBody>
                   <a:tcPr marL="72522" marR="72522" marT="36261" marB="36261" anchor="ctr">
@@ -6763,10 +6781,10 @@
                     <a:lstStyle/>
                     <a:p>
                       <a:r>
-                        <a:rPr lang="en-US" sz="1400" b="1"/>
+                        <a:rPr lang="en-US" sz="1400" b="1" dirty="0"/>
                         <a:t>Scalability</a:t>
                       </a:r>
-                      <a:endParaRPr lang="en-US" sz="1400"/>
+                      <a:endParaRPr lang="en-US" sz="1400" dirty="0"/>
                     </a:p>
                   </a:txBody>
                   <a:tcPr marL="72522" marR="72522" marT="36261" marB="36261" anchor="ctr">
@@ -6816,7 +6834,7 @@
                     <a:lstStyle/>
                     <a:p>
                       <a:r>
-                        <a:rPr lang="en-US" sz="1400"/>
+                        <a:rPr lang="en-US" sz="1400" dirty="0"/>
                         <a:t>Highly scalable by design due to Kong's architecture.</a:t>
                       </a:r>
                     </a:p>
@@ -6841,7 +6859,10 @@
                     <a:bodyPr/>
                     <a:lstStyle/>
                     <a:p>
-                      <a:endParaRPr lang="en-US" sz="1400"/>
+                      <a:r>
+                        <a:rPr lang="en-US" sz="1400" dirty="0"/>
+                        <a:t>High: Go’s goroutines support lightweight and scalable concurrency</a:t>
+                      </a:r>
                     </a:p>
                   </a:txBody>
                   <a:tcPr marL="72522" marR="72522" marT="36261" marB="36261" anchor="ctr">
@@ -6872,10 +6893,10 @@
                     <a:lstStyle/>
                     <a:p>
                       <a:r>
-                        <a:rPr lang="en-US" sz="1400" b="1"/>
+                        <a:rPr lang="en-US" sz="1400" b="1" dirty="0"/>
                         <a:t>Extensibility</a:t>
                       </a:r>
-                      <a:endParaRPr lang="en-US" sz="1400"/>
+                      <a:endParaRPr lang="en-US" sz="1400" dirty="0"/>
                     </a:p>
                   </a:txBody>
                   <a:tcPr marL="72522" marR="72522" marT="36261" marB="36261" anchor="ctr">
@@ -6950,7 +6971,10 @@
                     <a:bodyPr/>
                     <a:lstStyle/>
                     <a:p>
-                      <a:endParaRPr lang="en-US" sz="1400" dirty="0"/>
+                      <a:r>
+                        <a:rPr lang="en-US" sz="1400" dirty="0"/>
+                        <a:t>Moderate: Smaller library ecosystem, so requires custom coding for advanced features</a:t>
+                      </a:r>
                     </a:p>
                   </a:txBody>
                   <a:tcPr marL="72522" marR="72522" marT="36261" marB="36261" anchor="ctr">
@@ -7081,21 +7105,95 @@
           </a:xfrm>
         </p:spPr>
         <p:txBody>
-          <a:bodyPr/>
+          <a:bodyPr>
+            <a:normAutofit lnSpcReduction="10000"/>
+          </a:bodyPr>
           <a:lstStyle/>
           <a:p>
             <a:pPr marL="0" indent="0">
+              <a:lnSpc>
+                <a:spcPct val="100000"/>
+              </a:lnSpc>
               <a:buNone/>
             </a:pPr>
             <a:r>
+              <a:rPr lang="en-US" dirty="0"/>
+              <a:t>We pick </a:t>
+            </a:r>
+            <a:r>
+              <a:rPr lang="en-US" b="1" dirty="0" err="1"/>
+              <a:t>FastAPI</a:t>
+            </a:r>
+            <a:r>
+              <a:rPr lang="en-US" dirty="0"/>
+              <a:t> because it offers faster development speed due to built-in features like automatic </a:t>
+            </a:r>
+            <a:r>
               <a:rPr lang="en-US" dirty="0" err="1"/>
-              <a:t>FastAPI</a:t>
+              <a:t>OpenAPI</a:t>
             </a:r>
             <a:r>
               <a:rPr lang="en-US" dirty="0"/>
-              <a:t> is a suitable solution for fast MVP prototyping</a:t>
-            </a:r>
-            <a:endParaRPr lang="ru-RU" dirty="0"/>
+              <a:t> generation and validation, making it ideal for rapid MVPs. Its ease of setup, team’s Python familiarity, and flexibility make it more accessible for a small team with limited time.</a:t>
+            </a:r>
+          </a:p>
+          <a:p>
+            <a:pPr marL="0" indent="0">
+              <a:lnSpc>
+                <a:spcPct val="100000"/>
+              </a:lnSpc>
+              <a:buNone/>
+            </a:pPr>
+            <a:endParaRPr lang="en-US" dirty="0"/>
+          </a:p>
+          <a:p>
+            <a:pPr marL="0" indent="0">
+              <a:lnSpc>
+                <a:spcPct val="100000"/>
+              </a:lnSpc>
+              <a:buNone/>
+            </a:pPr>
+            <a:endParaRPr lang="en-US" dirty="0"/>
+          </a:p>
+          <a:p>
+            <a:pPr marL="0" indent="0">
+              <a:lnSpc>
+                <a:spcPct val="100000"/>
+              </a:lnSpc>
+              <a:buNone/>
+            </a:pPr>
+            <a:endParaRPr lang="en-US" dirty="0"/>
+          </a:p>
+          <a:p>
+            <a:pPr marL="0" indent="0">
+              <a:lnSpc>
+                <a:spcPct val="100000"/>
+              </a:lnSpc>
+              <a:buNone/>
+            </a:pPr>
+            <a:endParaRPr lang="en-US" dirty="0"/>
+          </a:p>
+          <a:p>
+            <a:pPr marL="0" indent="0">
+              <a:lnSpc>
+                <a:spcPct val="100000"/>
+              </a:lnSpc>
+              <a:buNone/>
+            </a:pPr>
+            <a:endParaRPr lang="en-US" dirty="0"/>
+          </a:p>
+          <a:p>
+            <a:pPr marL="0" indent="0" algn="r">
+              <a:lnSpc>
+                <a:spcPct val="100000"/>
+              </a:lnSpc>
+              <a:buNone/>
+            </a:pPr>
+            <a:r>
+              <a:rPr lang="en-US" sz="2000" dirty="0"/>
+              <a:t>© Software Architect, ChatGPT-4o </a:t>
+            </a:r>
+            <a:endParaRPr lang="ru-RU" sz="2000" dirty="0"/>
           </a:p>
         </p:txBody>
       </p:sp>
